--- a/static/documentos/modelos/poster-encita-modelo.pptx
+++ b/static/documentos/modelos/poster-encita-modelo.pptx
@@ -154,203 +154,6 @@
 </p1510:revInfo>
 </file>
 
-<file path=ppt/changesInfos/changesInfo1.xml><?xml version="1.0" encoding="utf-8"?>
-<pc:chgInfo xmlns:a="http://schemas.openxmlformats.org/drawingml/2006/main" xmlns:r="http://schemas.openxmlformats.org/officeDocument/2006/relationships" xmlns:ac="http://schemas.microsoft.com/office/drawing/2013/main/command" xmlns:pc="http://schemas.microsoft.com/office/powerpoint/2013/main/command">
-  <pc:docChgLst>
-    <pc:chgData name="Victor Lopes" userId="71cf7d6d18626c63" providerId="LiveId" clId="{E1F7E7AF-8F6E-4A2F-B50F-2301F918BB2A}"/>
-    <pc:docChg chg="undo custSel modSld">
-      <pc:chgData name="Victor Lopes" userId="71cf7d6d18626c63" providerId="LiveId" clId="{E1F7E7AF-8F6E-4A2F-B50F-2301F918BB2A}" dt="2022-04-28T19:46:29.214" v="2077" actId="1076"/>
-      <pc:docMkLst>
-        <pc:docMk/>
-      </pc:docMkLst>
-      <pc:sldChg chg="addSp delSp modSp mod">
-        <pc:chgData name="Victor Lopes" userId="71cf7d6d18626c63" providerId="LiveId" clId="{E1F7E7AF-8F6E-4A2F-B50F-2301F918BB2A}" dt="2022-04-28T19:46:29.214" v="2077" actId="1076"/>
-        <pc:sldMkLst>
-          <pc:docMk/>
-          <pc:sldMk cId="420038965" sldId="267"/>
-        </pc:sldMkLst>
-        <pc:spChg chg="mod">
-          <ac:chgData name="Victor Lopes" userId="71cf7d6d18626c63" providerId="LiveId" clId="{E1F7E7AF-8F6E-4A2F-B50F-2301F918BB2A}" dt="2022-04-28T19:46:17.229" v="2076" actId="20577"/>
-          <ac:spMkLst>
-            <pc:docMk/>
-            <pc:sldMk cId="420038965" sldId="267"/>
-            <ac:spMk id="2" creationId="{00000000-0000-0000-0000-000000000000}"/>
-          </ac:spMkLst>
-        </pc:spChg>
-        <pc:spChg chg="mod">
-          <ac:chgData name="Victor Lopes" userId="71cf7d6d18626c63" providerId="LiveId" clId="{E1F7E7AF-8F6E-4A2F-B50F-2301F918BB2A}" dt="2022-04-28T19:34:34.682" v="762" actId="20577"/>
-          <ac:spMkLst>
-            <pc:docMk/>
-            <pc:sldMk cId="420038965" sldId="267"/>
-            <ac:spMk id="6" creationId="{DE26BAE6-4481-C444-B529-2CA8D807D450}"/>
-          </ac:spMkLst>
-        </pc:spChg>
-        <pc:spChg chg="mod">
-          <ac:chgData name="Victor Lopes" userId="71cf7d6d18626c63" providerId="LiveId" clId="{E1F7E7AF-8F6E-4A2F-B50F-2301F918BB2A}" dt="2022-04-28T19:39:28.263" v="1698" actId="20577"/>
-          <ac:spMkLst>
-            <pc:docMk/>
-            <pc:sldMk cId="420038965" sldId="267"/>
-            <ac:spMk id="8" creationId="{8372213C-9E3E-4E44-A01F-E8F8546143F3}"/>
-          </ac:spMkLst>
-        </pc:spChg>
-        <pc:spChg chg="del">
-          <ac:chgData name="Victor Lopes" userId="71cf7d6d18626c63" providerId="LiveId" clId="{E1F7E7AF-8F6E-4A2F-B50F-2301F918BB2A}" dt="2022-04-28T19:25:08.304" v="2" actId="478"/>
-          <ac:spMkLst>
-            <pc:docMk/>
-            <pc:sldMk cId="420038965" sldId="267"/>
-            <ac:spMk id="15" creationId="{00000000-0000-0000-0000-000000000000}"/>
-          </ac:spMkLst>
-        </pc:spChg>
-        <pc:spChg chg="mod">
-          <ac:chgData name="Victor Lopes" userId="71cf7d6d18626c63" providerId="LiveId" clId="{E1F7E7AF-8F6E-4A2F-B50F-2301F918BB2A}" dt="2022-04-28T19:37:06.344" v="1406" actId="14100"/>
-          <ac:spMkLst>
-            <pc:docMk/>
-            <pc:sldMk cId="420038965" sldId="267"/>
-            <ac:spMk id="20" creationId="{41F545C9-5F49-4D1F-BCD8-1B7E044A6D44}"/>
-          </ac:spMkLst>
-        </pc:spChg>
-        <pc:spChg chg="mod">
-          <ac:chgData name="Victor Lopes" userId="71cf7d6d18626c63" providerId="LiveId" clId="{E1F7E7AF-8F6E-4A2F-B50F-2301F918BB2A}" dt="2022-04-28T19:36:59.746" v="1404" actId="14100"/>
-          <ac:spMkLst>
-            <pc:docMk/>
-            <pc:sldMk cId="420038965" sldId="267"/>
-            <ac:spMk id="22" creationId="{3FE3D628-DC64-4097-AB8F-7B02F3C2CCF6}"/>
-          </ac:spMkLst>
-        </pc:spChg>
-        <pc:spChg chg="del">
-          <ac:chgData name="Victor Lopes" userId="71cf7d6d18626c63" providerId="LiveId" clId="{E1F7E7AF-8F6E-4A2F-B50F-2301F918BB2A}" dt="2022-04-28T19:25:06.577" v="1" actId="478"/>
-          <ac:spMkLst>
-            <pc:docMk/>
-            <pc:sldMk cId="420038965" sldId="267"/>
-            <ac:spMk id="29" creationId="{00000000-0000-0000-0000-000000000000}"/>
-          </ac:spMkLst>
-        </pc:spChg>
-        <pc:spChg chg="mod">
-          <ac:chgData name="Victor Lopes" userId="71cf7d6d18626c63" providerId="LiveId" clId="{E1F7E7AF-8F6E-4A2F-B50F-2301F918BB2A}" dt="2022-04-28T19:36:56.793" v="1403" actId="1076"/>
-          <ac:spMkLst>
-            <pc:docMk/>
-            <pc:sldMk cId="420038965" sldId="267"/>
-            <ac:spMk id="33" creationId="{781C6037-3CFF-46B4-9CFC-E2BEF60ED723}"/>
-          </ac:spMkLst>
-        </pc:spChg>
-        <pc:spChg chg="mod">
-          <ac:chgData name="Victor Lopes" userId="71cf7d6d18626c63" providerId="LiveId" clId="{E1F7E7AF-8F6E-4A2F-B50F-2301F918BB2A}" dt="2022-04-28T19:35:54.296" v="1193" actId="20577"/>
-          <ac:spMkLst>
-            <pc:docMk/>
-            <pc:sldMk cId="420038965" sldId="267"/>
-            <ac:spMk id="34" creationId="{7D1A9E41-BE55-C146-82B1-05219138DD2C}"/>
-          </ac:spMkLst>
-        </pc:spChg>
-        <pc:spChg chg="add del">
-          <ac:chgData name="Victor Lopes" userId="71cf7d6d18626c63" providerId="LiveId" clId="{E1F7E7AF-8F6E-4A2F-B50F-2301F918BB2A}" dt="2022-04-28T19:39:37.864" v="1700" actId="22"/>
-          <ac:spMkLst>
-            <pc:docMk/>
-            <pc:sldMk cId="420038965" sldId="267"/>
-            <ac:spMk id="36" creationId="{79E0EF9B-4E9E-445F-A44C-DB0285CF1976}"/>
-          </ac:spMkLst>
-        </pc:spChg>
-        <pc:spChg chg="add mod">
-          <ac:chgData name="Victor Lopes" userId="71cf7d6d18626c63" providerId="LiveId" clId="{E1F7E7AF-8F6E-4A2F-B50F-2301F918BB2A}" dt="2022-04-28T19:40:36.088" v="2032" actId="20577"/>
-          <ac:spMkLst>
-            <pc:docMk/>
-            <pc:sldMk cId="420038965" sldId="267"/>
-            <ac:spMk id="38" creationId="{952B7344-B1B3-4C1C-8196-70606A9C592E}"/>
-          </ac:spMkLst>
-        </pc:spChg>
-        <pc:spChg chg="mod">
-          <ac:chgData name="Victor Lopes" userId="71cf7d6d18626c63" providerId="LiveId" clId="{E1F7E7AF-8F6E-4A2F-B50F-2301F918BB2A}" dt="2022-04-28T19:40:48.733" v="2033" actId="255"/>
-          <ac:spMkLst>
-            <pc:docMk/>
-            <pc:sldMk cId="420038965" sldId="267"/>
-            <ac:spMk id="40" creationId="{D1534206-AA28-C344-A6A2-6D60F27B211A}"/>
-          </ac:spMkLst>
-        </pc:spChg>
-        <pc:grpChg chg="mod">
-          <ac:chgData name="Victor Lopes" userId="71cf7d6d18626c63" providerId="LiveId" clId="{E1F7E7AF-8F6E-4A2F-B50F-2301F918BB2A}" dt="2022-04-28T19:37:10.555" v="1407" actId="1076"/>
-          <ac:grpSpMkLst>
-            <pc:docMk/>
-            <pc:sldMk cId="420038965" sldId="267"/>
-            <ac:grpSpMk id="30" creationId="{00000000-0000-0000-0000-000000000000}"/>
-          </ac:grpSpMkLst>
-        </pc:grpChg>
-        <pc:picChg chg="add mod">
-          <ac:chgData name="Victor Lopes" userId="71cf7d6d18626c63" providerId="LiveId" clId="{E1F7E7AF-8F6E-4A2F-B50F-2301F918BB2A}" dt="2022-04-28T19:46:29.214" v="2077" actId="1076"/>
-          <ac:picMkLst>
-            <pc:docMk/>
-            <pc:sldMk cId="420038965" sldId="267"/>
-            <ac:picMk id="4" creationId="{160D1924-B91F-4D23-962D-90BABB49FB56}"/>
-          </ac:picMkLst>
-        </pc:picChg>
-        <pc:picChg chg="add mod">
-          <ac:chgData name="Victor Lopes" userId="71cf7d6d18626c63" providerId="LiveId" clId="{E1F7E7AF-8F6E-4A2F-B50F-2301F918BB2A}" dt="2022-04-28T19:45:56.049" v="2042" actId="1076"/>
-          <ac:picMkLst>
-            <pc:docMk/>
-            <pc:sldMk cId="420038965" sldId="267"/>
-            <ac:picMk id="5" creationId="{55990D4F-45FA-4E13-B718-3DE8474C68C6}"/>
-          </ac:picMkLst>
-        </pc:picChg>
-        <pc:picChg chg="del">
-          <ac:chgData name="Victor Lopes" userId="71cf7d6d18626c63" providerId="LiveId" clId="{E1F7E7AF-8F6E-4A2F-B50F-2301F918BB2A}" dt="2022-04-28T19:27:44.856" v="6" actId="478"/>
-          <ac:picMkLst>
-            <pc:docMk/>
-            <pc:sldMk cId="420038965" sldId="267"/>
-            <ac:picMk id="37" creationId="{F4A77BB1-44CA-471E-9E16-B57BE3A3455C}"/>
-          </ac:picMkLst>
-        </pc:picChg>
-        <pc:picChg chg="del">
-          <ac:chgData name="Victor Lopes" userId="71cf7d6d18626c63" providerId="LiveId" clId="{E1F7E7AF-8F6E-4A2F-B50F-2301F918BB2A}" dt="2022-04-28T19:27:55.330" v="9" actId="478"/>
-          <ac:picMkLst>
-            <pc:docMk/>
-            <pc:sldMk cId="420038965" sldId="267"/>
-            <ac:picMk id="39" creationId="{00000000-0000-0000-0000-000000000000}"/>
-          </ac:picMkLst>
-        </pc:picChg>
-        <pc:picChg chg="add del mod modCrop">
-          <ac:chgData name="Victor Lopes" userId="71cf7d6d18626c63" providerId="LiveId" clId="{E1F7E7AF-8F6E-4A2F-B50F-2301F918BB2A}" dt="2022-04-28T19:37:32.279" v="1412" actId="1076"/>
-          <ac:picMkLst>
-            <pc:docMk/>
-            <pc:sldMk cId="420038965" sldId="267"/>
-            <ac:picMk id="49" creationId="{00000000-0000-0000-0000-000000000000}"/>
-          </ac:picMkLst>
-        </pc:picChg>
-        <pc:picChg chg="mod">
-          <ac:chgData name="Victor Lopes" userId="71cf7d6d18626c63" providerId="LiveId" clId="{E1F7E7AF-8F6E-4A2F-B50F-2301F918BB2A}" dt="2022-04-28T19:37:10.555" v="1407" actId="1076"/>
-          <ac:picMkLst>
-            <pc:docMk/>
-            <pc:sldMk cId="420038965" sldId="267"/>
-            <ac:picMk id="1025" creationId="{00000000-0000-0000-0000-000000000000}"/>
-          </ac:picMkLst>
-        </pc:picChg>
-        <pc:picChg chg="mod">
-          <ac:chgData name="Victor Lopes" userId="71cf7d6d18626c63" providerId="LiveId" clId="{E1F7E7AF-8F6E-4A2F-B50F-2301F918BB2A}" dt="2022-04-28T19:37:10.555" v="1407" actId="1076"/>
-          <ac:picMkLst>
-            <pc:docMk/>
-            <pc:sldMk cId="420038965" sldId="267"/>
-            <ac:picMk id="1026" creationId="{00000000-0000-0000-0000-000000000000}"/>
-          </ac:picMkLst>
-        </pc:picChg>
-        <pc:picChg chg="mod">
-          <ac:chgData name="Victor Lopes" userId="71cf7d6d18626c63" providerId="LiveId" clId="{E1F7E7AF-8F6E-4A2F-B50F-2301F918BB2A}" dt="2022-04-28T19:37:10.555" v="1407" actId="1076"/>
-          <ac:picMkLst>
-            <pc:docMk/>
-            <pc:sldMk cId="420038965" sldId="267"/>
-            <ac:picMk id="1029" creationId="{00000000-0000-0000-0000-000000000000}"/>
-          </ac:picMkLst>
-        </pc:picChg>
-        <pc:picChg chg="mod">
-          <ac:chgData name="Victor Lopes" userId="71cf7d6d18626c63" providerId="LiveId" clId="{E1F7E7AF-8F6E-4A2F-B50F-2301F918BB2A}" dt="2022-04-28T19:37:10.555" v="1407" actId="1076"/>
-          <ac:picMkLst>
-            <pc:docMk/>
-            <pc:sldMk cId="420038965" sldId="267"/>
-            <ac:picMk id="1030" creationId="{00000000-0000-0000-0000-000000000000}"/>
-          </ac:picMkLst>
-        </pc:picChg>
-      </pc:sldChg>
-    </pc:docChg>
-  </pc:docChgLst>
-</pc:chgInfo>
-</file>
-
 <file path=ppt/slideLayouts/slideLayout1.xml><?xml version="1.0" encoding="utf-8"?>
 <p:sldLayout xmlns:a="http://schemas.openxmlformats.org/drawingml/2006/main" xmlns:r="http://schemas.openxmlformats.org/officeDocument/2006/relationships" xmlns:p="http://schemas.openxmlformats.org/presentationml/2006/main" type="title" preserve="1">
   <p:cSld name="Slide de título">
@@ -530,7 +333,7 @@
           <a:p>
             <a:fld id="{0AE5F66C-BD62-4228-946F-DA8FA0B42167}" type="datetimeFigureOut">
               <a:rPr lang="pt-BR" smtClean="0"/>
-              <a:t>07/05/2022</a:t>
+              <a:t>04/09/2023</a:t>
             </a:fld>
             <a:endParaRPr lang="pt-BR"/>
           </a:p>
@@ -572,7 +375,7 @@
           <a:p>
             <a:fld id="{5EE5B9D6-214A-488E-918C-B06356A0420F}" type="slidenum">
               <a:rPr lang="pt-BR" smtClean="0"/>
-              <a:t>‹#›</a:t>
+              <a:t>‹nº›</a:t>
             </a:fld>
             <a:endParaRPr lang="pt-BR"/>
           </a:p>
@@ -698,7 +501,7 @@
           <a:p>
             <a:fld id="{0AE5F66C-BD62-4228-946F-DA8FA0B42167}" type="datetimeFigureOut">
               <a:rPr lang="pt-BR" smtClean="0"/>
-              <a:t>07/05/2022</a:t>
+              <a:t>04/09/2023</a:t>
             </a:fld>
             <a:endParaRPr lang="pt-BR"/>
           </a:p>
@@ -740,7 +543,7 @@
           <a:p>
             <a:fld id="{5EE5B9D6-214A-488E-918C-B06356A0420F}" type="slidenum">
               <a:rPr lang="pt-BR" smtClean="0"/>
-              <a:t>‹#›</a:t>
+              <a:t>‹nº›</a:t>
             </a:fld>
             <a:endParaRPr lang="pt-BR"/>
           </a:p>
@@ -876,7 +679,7 @@
           <a:p>
             <a:fld id="{0AE5F66C-BD62-4228-946F-DA8FA0B42167}" type="datetimeFigureOut">
               <a:rPr lang="pt-BR" smtClean="0"/>
-              <a:t>07/05/2022</a:t>
+              <a:t>04/09/2023</a:t>
             </a:fld>
             <a:endParaRPr lang="pt-BR"/>
           </a:p>
@@ -918,7 +721,7 @@
           <a:p>
             <a:fld id="{5EE5B9D6-214A-488E-918C-B06356A0420F}" type="slidenum">
               <a:rPr lang="pt-BR" smtClean="0"/>
-              <a:t>‹#›</a:t>
+              <a:t>‹nº›</a:t>
             </a:fld>
             <a:endParaRPr lang="pt-BR"/>
           </a:p>
@@ -1044,7 +847,7 @@
           <a:p>
             <a:fld id="{0AE5F66C-BD62-4228-946F-DA8FA0B42167}" type="datetimeFigureOut">
               <a:rPr lang="pt-BR" smtClean="0"/>
-              <a:t>07/05/2022</a:t>
+              <a:t>04/09/2023</a:t>
             </a:fld>
             <a:endParaRPr lang="pt-BR"/>
           </a:p>
@@ -1086,7 +889,7 @@
           <a:p>
             <a:fld id="{5EE5B9D6-214A-488E-918C-B06356A0420F}" type="slidenum">
               <a:rPr lang="pt-BR" smtClean="0"/>
-              <a:t>‹#›</a:t>
+              <a:t>‹nº›</a:t>
             </a:fld>
             <a:endParaRPr lang="pt-BR"/>
           </a:p>
@@ -1289,7 +1092,7 @@
           <a:p>
             <a:fld id="{0AE5F66C-BD62-4228-946F-DA8FA0B42167}" type="datetimeFigureOut">
               <a:rPr lang="pt-BR" smtClean="0"/>
-              <a:t>07/05/2022</a:t>
+              <a:t>04/09/2023</a:t>
             </a:fld>
             <a:endParaRPr lang="pt-BR"/>
           </a:p>
@@ -1331,7 +1134,7 @@
           <a:p>
             <a:fld id="{5EE5B9D6-214A-488E-918C-B06356A0420F}" type="slidenum">
               <a:rPr lang="pt-BR" smtClean="0"/>
-              <a:t>‹#›</a:t>
+              <a:t>‹nº›</a:t>
             </a:fld>
             <a:endParaRPr lang="pt-BR"/>
           </a:p>
@@ -1574,7 +1377,7 @@
           <a:p>
             <a:fld id="{0AE5F66C-BD62-4228-946F-DA8FA0B42167}" type="datetimeFigureOut">
               <a:rPr lang="pt-BR" smtClean="0"/>
-              <a:t>07/05/2022</a:t>
+              <a:t>04/09/2023</a:t>
             </a:fld>
             <a:endParaRPr lang="pt-BR"/>
           </a:p>
@@ -1616,7 +1419,7 @@
           <a:p>
             <a:fld id="{5EE5B9D6-214A-488E-918C-B06356A0420F}" type="slidenum">
               <a:rPr lang="pt-BR" smtClean="0"/>
-              <a:t>‹#›</a:t>
+              <a:t>‹nº›</a:t>
             </a:fld>
             <a:endParaRPr lang="pt-BR"/>
           </a:p>
@@ -1993,7 +1796,7 @@
           <a:p>
             <a:fld id="{0AE5F66C-BD62-4228-946F-DA8FA0B42167}" type="datetimeFigureOut">
               <a:rPr lang="pt-BR" smtClean="0"/>
-              <a:t>07/05/2022</a:t>
+              <a:t>04/09/2023</a:t>
             </a:fld>
             <a:endParaRPr lang="pt-BR"/>
           </a:p>
@@ -2035,7 +1838,7 @@
           <a:p>
             <a:fld id="{5EE5B9D6-214A-488E-918C-B06356A0420F}" type="slidenum">
               <a:rPr lang="pt-BR" smtClean="0"/>
-              <a:t>‹#›</a:t>
+              <a:t>‹nº›</a:t>
             </a:fld>
             <a:endParaRPr lang="pt-BR"/>
           </a:p>
@@ -2110,7 +1913,7 @@
           <a:p>
             <a:fld id="{0AE5F66C-BD62-4228-946F-DA8FA0B42167}" type="datetimeFigureOut">
               <a:rPr lang="pt-BR" smtClean="0"/>
-              <a:t>07/05/2022</a:t>
+              <a:t>04/09/2023</a:t>
             </a:fld>
             <a:endParaRPr lang="pt-BR"/>
           </a:p>
@@ -2152,7 +1955,7 @@
           <a:p>
             <a:fld id="{5EE5B9D6-214A-488E-918C-B06356A0420F}" type="slidenum">
               <a:rPr lang="pt-BR" smtClean="0"/>
-              <a:t>‹#›</a:t>
+              <a:t>‹nº›</a:t>
             </a:fld>
             <a:endParaRPr lang="pt-BR"/>
           </a:p>
@@ -2205,7 +2008,7 @@
           <a:p>
             <a:fld id="{0AE5F66C-BD62-4228-946F-DA8FA0B42167}" type="datetimeFigureOut">
               <a:rPr lang="pt-BR" smtClean="0"/>
-              <a:t>07/05/2022</a:t>
+              <a:t>04/09/2023</a:t>
             </a:fld>
             <a:endParaRPr lang="pt-BR"/>
           </a:p>
@@ -2247,7 +2050,7 @@
           <a:p>
             <a:fld id="{5EE5B9D6-214A-488E-918C-B06356A0420F}" type="slidenum">
               <a:rPr lang="pt-BR" smtClean="0"/>
-              <a:t>‹#›</a:t>
+              <a:t>‹nº›</a:t>
             </a:fld>
             <a:endParaRPr lang="pt-BR"/>
           </a:p>
@@ -2480,7 +2283,7 @@
           <a:p>
             <a:fld id="{0AE5F66C-BD62-4228-946F-DA8FA0B42167}" type="datetimeFigureOut">
               <a:rPr lang="pt-BR" smtClean="0"/>
-              <a:t>07/05/2022</a:t>
+              <a:t>04/09/2023</a:t>
             </a:fld>
             <a:endParaRPr lang="pt-BR"/>
           </a:p>
@@ -2522,7 +2325,7 @@
           <a:p>
             <a:fld id="{5EE5B9D6-214A-488E-918C-B06356A0420F}" type="slidenum">
               <a:rPr lang="pt-BR" smtClean="0"/>
-              <a:t>‹#›</a:t>
+              <a:t>‹nº›</a:t>
             </a:fld>
             <a:endParaRPr lang="pt-BR"/>
           </a:p>
@@ -2732,7 +2535,7 @@
           <a:p>
             <a:fld id="{0AE5F66C-BD62-4228-946F-DA8FA0B42167}" type="datetimeFigureOut">
               <a:rPr lang="pt-BR" smtClean="0"/>
-              <a:t>07/05/2022</a:t>
+              <a:t>04/09/2023</a:t>
             </a:fld>
             <a:endParaRPr lang="pt-BR"/>
           </a:p>
@@ -2774,7 +2577,7 @@
           <a:p>
             <a:fld id="{5EE5B9D6-214A-488E-918C-B06356A0420F}" type="slidenum">
               <a:rPr lang="pt-BR" smtClean="0"/>
-              <a:t>‹#›</a:t>
+              <a:t>‹nº›</a:t>
             </a:fld>
             <a:endParaRPr lang="pt-BR"/>
           </a:p>
@@ -2943,7 +2746,7 @@
           <a:p>
             <a:fld id="{0AE5F66C-BD62-4228-946F-DA8FA0B42167}" type="datetimeFigureOut">
               <a:rPr lang="pt-BR" smtClean="0"/>
-              <a:t>07/05/2022</a:t>
+              <a:t>04/09/2023</a:t>
             </a:fld>
             <a:endParaRPr lang="pt-BR"/>
           </a:p>
@@ -3021,7 +2824,7 @@
           <a:p>
             <a:fld id="{5EE5B9D6-214A-488E-918C-B06356A0420F}" type="slidenum">
               <a:rPr lang="pt-BR" smtClean="0"/>
-              <a:t>‹#›</a:t>
+              <a:t>‹nº›</a:t>
             </a:fld>
             <a:endParaRPr lang="pt-BR"/>
           </a:p>
@@ -5485,8 +5288,8 @@
           </a:p>
         </p:txBody>
       </p:sp>
-      <mc:AlternateContent xmlns:mc="http://schemas.openxmlformats.org/markup-compatibility/2006">
-        <mc:Choice xmlns:a14="http://schemas.microsoft.com/office/drawing/2010/main" Requires="a14">
+      <mc:AlternateContent xmlns:mc="http://schemas.openxmlformats.org/markup-compatibility/2006" xmlns:a14="http://schemas.microsoft.com/office/drawing/2010/main">
+        <mc:Choice Requires="a14">
           <p:sp>
             <p:nvSpPr>
               <p:cNvPr id="83" name="CaixaDeTexto 82">
@@ -5573,7 +5376,7 @@
             </p:txBody>
           </p:sp>
         </mc:Choice>
-        <mc:Fallback>
+        <mc:Fallback xmlns="">
           <p:sp>
             <p:nvSpPr>
               <p:cNvPr id="83" name="CaixaDeTexto 82">
@@ -6148,7 +5951,7 @@
                     <a:latin typeface="Arial" panose="020B0604020202020204" pitchFamily="34" charset="0"/>
                     <a:cs typeface="Arial" panose="020B0604020202020204" pitchFamily="34" charset="0"/>
                   </a:rPr>
-                  <a:t>26 e 27 de maio de 2022 - São José dos Campos, SP</a:t>
+                  <a:t>18 de setembro de 2023 - São José dos Campos, SP</a:t>
                 </a:r>
                 <a:endParaRPr lang="pt-BR" sz="2400" dirty="0">
                   <a:solidFill>
@@ -6212,7 +6015,7 @@
                     <a:ea typeface="Gadugi" panose="020B0502040204020203" pitchFamily="34" charset="0"/>
                     <a:cs typeface="Arial" panose="020B0604020202020204" pitchFamily="34" charset="0"/>
                   </a:rPr>
-                  <a:t>XXVII Encontro de Iniciação Científica do Instituto Tecnológico de Aeronáutica</a:t>
+                  <a:t>XXVIII Encontro de Iniciação Científica do Instituto Tecnológico de Aeronáutica</a:t>
                 </a:r>
               </a:p>
             </p:txBody>
@@ -6521,7 +6324,7 @@
                 <a:latin typeface="Bebas Neue" panose="020B0606020202050201" pitchFamily="34" charset="0"/>
                 <a:cs typeface="Arial" panose="020B0604020202020204" pitchFamily="34" charset="0"/>
               </a:rPr>
-              <a:t>XXVII</a:t>
+              <a:t>XXVIII</a:t>
             </a:r>
             <a:r>
               <a:rPr lang="pt-BR" sz="4666" b="1" dirty="0">
@@ -8983,8 +8786,8 @@
           </a:prstGeom>
         </p:spPr>
       </p:pic>
-      <mc:AlternateContent xmlns:mc="http://schemas.openxmlformats.org/markup-compatibility/2006">
-        <mc:Choice xmlns:a14="http://schemas.microsoft.com/office/drawing/2010/main" Requires="a14">
+      <mc:AlternateContent xmlns:mc="http://schemas.openxmlformats.org/markup-compatibility/2006" xmlns:a14="http://schemas.microsoft.com/office/drawing/2010/main">
+        <mc:Choice Requires="a14">
           <p:sp>
             <p:nvSpPr>
               <p:cNvPr id="83" name="CaixaDeTexto 82">
@@ -9071,7 +8874,7 @@
             </p:txBody>
           </p:sp>
         </mc:Choice>
-        <mc:Fallback>
+        <mc:Fallback xmlns="">
           <p:sp>
             <p:nvSpPr>
               <p:cNvPr id="83" name="CaixaDeTexto 82">
@@ -9563,7 +9366,7 @@
                 <a:latin typeface="Arial" panose="020B0604020202020204" pitchFamily="34" charset="0"/>
                 <a:cs typeface="Arial" panose="020B0604020202020204" pitchFamily="34" charset="0"/>
               </a:rPr>
-              <a:t>26 e 27 de maio de 2022 - São José dos Campos, SP</a:t>
+              <a:t>18 de setembro de 2023 - São José dos Campos, SP</a:t>
             </a:r>
             <a:endParaRPr lang="pt-BR" sz="2666" dirty="0">
               <a:solidFill>
